--- a/MobCal_MPI.pptx
+++ b/MobCal_MPI.pptx
@@ -6282,7 +6282,7 @@
           <a:p>
             <a:fld id="{4B78E97C-1779-4CEE-80D0-5BBB1AC4023D}" type="datetimeFigureOut">
               <a:rPr lang="en-US" smtClean="0"/>
-              <a:t>10/24/2018</a:t>
+              <a:t>4/24/2019</a:t>
             </a:fld>
             <a:endParaRPr lang="en-US"/>
           </a:p>
@@ -9160,7 +9160,7 @@
             <a:fld id="{A318C6E2-4AA5-436E-9815-715E9B2235FA}" type="datetime1">
               <a:rPr lang="en-US" smtClean="0"/>
               <a:pPr/>
-              <a:t>10/24/2018</a:t>
+              <a:t>4/24/2019</a:t>
             </a:fld>
             <a:endParaRPr lang="en-US" dirty="0"/>
           </a:p>
@@ -12141,7 +12141,7 @@
             <a:fld id="{A318C6E2-4AA5-436E-9815-715E9B2235FA}" type="datetime1">
               <a:rPr lang="en-US" smtClean="0"/>
               <a:pPr/>
-              <a:t>10/24/2018</a:t>
+              <a:t>4/24/2019</a:t>
             </a:fld>
             <a:endParaRPr lang="en-US" dirty="0"/>
           </a:p>
@@ -12934,7 +12934,7 @@
             <a:fld id="{A318C6E2-4AA5-436E-9815-715E9B2235FA}" type="datetime1">
               <a:rPr lang="en-US" smtClean="0"/>
               <a:pPr/>
-              <a:t>10/24/2018</a:t>
+              <a:t>4/24/2019</a:t>
             </a:fld>
             <a:endParaRPr lang="en-US" dirty="0"/>
           </a:p>
@@ -13449,7 +13449,7 @@
             <a:fld id="{A318C6E2-4AA5-436E-9815-715E9B2235FA}" type="datetime1">
               <a:rPr lang="en-US" smtClean="0"/>
               <a:pPr/>
-              <a:t>10/24/2018</a:t>
+              <a:t>4/24/2019</a:t>
             </a:fld>
             <a:endParaRPr lang="en-US" dirty="0"/>
           </a:p>
@@ -34345,11 +34345,11 @@
   <p:clrMapOvr>
     <a:masterClrMapping/>
   </p:clrMapOvr>
-  <mc:AlternateContent xmlns:mc="http://schemas.openxmlformats.org/markup-compatibility/2006">
-    <mc:Choice xmlns:p14="http://schemas.microsoft.com/office/powerpoint/2010/main" Requires="p14">
+  <mc:AlternateContent xmlns:mc="http://schemas.openxmlformats.org/markup-compatibility/2006" xmlns:p14="http://schemas.microsoft.com/office/powerpoint/2010/main">
+    <mc:Choice Requires="p14">
       <p:transition p14:dur="0"/>
     </mc:Choice>
-    <mc:Fallback>
+    <mc:Fallback xmlns="">
       <p:transition/>
     </mc:Fallback>
   </mc:AlternateContent>
@@ -34659,11 +34659,11 @@
   <p:clrMapOvr>
     <a:masterClrMapping/>
   </p:clrMapOvr>
-  <mc:AlternateContent xmlns:mc="http://schemas.openxmlformats.org/markup-compatibility/2006">
-    <mc:Choice xmlns:p14="http://schemas.microsoft.com/office/powerpoint/2010/main" Requires="p14">
+  <mc:AlternateContent xmlns:mc="http://schemas.openxmlformats.org/markup-compatibility/2006" xmlns:p14="http://schemas.microsoft.com/office/powerpoint/2010/main">
+    <mc:Choice Requires="p14">
       <p:transition p14:dur="0"/>
     </mc:Choice>
-    <mc:Fallback>
+    <mc:Fallback xmlns="">
       <p:transition/>
     </mc:Fallback>
   </mc:AlternateContent>
@@ -34711,7 +34711,7 @@
           <a:p>
             <a:r>
               <a:rPr lang="en-US" altLang="ko-KR" dirty="0"/>
-              <a:t>2. Generate .xyz and .key file from the .</a:t>
+              <a:t>3. Generate .xyz and .key file from the .</a:t>
             </a:r>
             <a:r>
               <a:rPr lang="en-US" altLang="ko-KR" dirty="0" err="1"/>
@@ -34891,11 +34891,11 @@
   <p:clrMapOvr>
     <a:masterClrMapping/>
   </p:clrMapOvr>
-  <mc:AlternateContent xmlns:mc="http://schemas.openxmlformats.org/markup-compatibility/2006">
-    <mc:Choice xmlns:p14="http://schemas.microsoft.com/office/powerpoint/2010/main" Requires="p14">
+  <mc:AlternateContent xmlns:mc="http://schemas.openxmlformats.org/markup-compatibility/2006" xmlns:p14="http://schemas.microsoft.com/office/powerpoint/2010/main">
+    <mc:Choice Requires="p14">
       <p:transition p14:dur="0"/>
     </mc:Choice>
-    <mc:Fallback>
+    <mc:Fallback xmlns="">
       <p:transition/>
     </mc:Fallback>
   </mc:AlternateContent>
@@ -34943,7 +34943,7 @@
           <a:p>
             <a:r>
               <a:rPr lang="en-US" altLang="ko-KR" dirty="0"/>
-              <a:t>3. Generate the </a:t>
+              <a:t>4. Generate the </a:t>
             </a:r>
             <a:r>
               <a:rPr lang="en-US" altLang="ko-KR" b="1" dirty="0"/>
@@ -35121,11 +35121,11 @@
   <p:clrMapOvr>
     <a:masterClrMapping/>
   </p:clrMapOvr>
-  <mc:AlternateContent xmlns:mc="http://schemas.openxmlformats.org/markup-compatibility/2006">
-    <mc:Choice xmlns:p14="http://schemas.microsoft.com/office/powerpoint/2010/main" Requires="p14">
+  <mc:AlternateContent xmlns:mc="http://schemas.openxmlformats.org/markup-compatibility/2006" xmlns:p14="http://schemas.microsoft.com/office/powerpoint/2010/main">
+    <mc:Choice Requires="p14">
       <p:transition p14:dur="0"/>
     </mc:Choice>
-    <mc:Fallback>
+    <mc:Fallback xmlns="">
       <p:transition/>
     </mc:Fallback>
   </mc:AlternateContent>
@@ -35773,11 +35773,11 @@
   <p:clrMapOvr>
     <a:masterClrMapping/>
   </p:clrMapOvr>
-  <mc:AlternateContent xmlns:mc="http://schemas.openxmlformats.org/markup-compatibility/2006">
-    <mc:Choice xmlns:p14="http://schemas.microsoft.com/office/powerpoint/2010/main" Requires="p14">
+  <mc:AlternateContent xmlns:mc="http://schemas.openxmlformats.org/markup-compatibility/2006" xmlns:p14="http://schemas.microsoft.com/office/powerpoint/2010/main">
+    <mc:Choice Requires="p14">
       <p:transition p14:dur="0"/>
     </mc:Choice>
-    <mc:Fallback>
+    <mc:Fallback xmlns="">
       <p:transition/>
     </mc:Fallback>
   </mc:AlternateContent>
@@ -36492,7 +36492,7 @@
         </p:nvSpPr>
         <p:spPr>
           <a:xfrm>
-            <a:off x="2593075" y="1833942"/>
+            <a:off x="2593075" y="1811082"/>
             <a:ext cx="6311343" cy="246221"/>
           </a:xfrm>
           <a:prstGeom prst="rect">
@@ -36523,11 +36523,11 @@
   <p:clrMapOvr>
     <a:masterClrMapping/>
   </p:clrMapOvr>
-  <mc:AlternateContent xmlns:mc="http://schemas.openxmlformats.org/markup-compatibility/2006">
-    <mc:Choice xmlns:p14="http://schemas.microsoft.com/office/powerpoint/2010/main" Requires="p14">
+  <mc:AlternateContent xmlns:mc="http://schemas.openxmlformats.org/markup-compatibility/2006" xmlns:p14="http://schemas.microsoft.com/office/powerpoint/2010/main">
+    <mc:Choice Requires="p14">
       <p:transition p14:dur="0"/>
     </mc:Choice>
-    <mc:Fallback>
+    <mc:Fallback xmlns="">
       <p:transition/>
     </mc:Fallback>
   </mc:AlternateContent>
@@ -36560,7 +36560,7 @@
         <p:spPr>
           <a:xfrm>
             <a:off x="419100" y="533400"/>
-            <a:ext cx="8572500" cy="3139321"/>
+            <a:ext cx="8572500" cy="4801314"/>
           </a:xfrm>
           <a:prstGeom prst="rect">
             <a:avLst/>
@@ -36575,7 +36575,7 @@
           <a:p>
             <a:r>
               <a:rPr lang="en-US" altLang="ko-KR" dirty="0"/>
-              <a:t>4. Compile on HPC clusters. Most have legacy Fortran compilers with usage criteria listed on their websites. E.g., for Graham (compute Canada; </a:t>
+              <a:t>5. Compile on HPC clusters. Most have legacy Fortran compilers with usage criteria listed on their websites. E.g., for Graham (compute Canada; </a:t>
             </a:r>
             <a:r>
               <a:rPr lang="en-US" altLang="ko-KR" dirty="0" err="1"/>
@@ -36627,6 +36627,36 @@
               <a:rPr lang="en-US" altLang="ko-KR" dirty="0"/>
               <a:t>, not the number zero.</a:t>
             </a:r>
+          </a:p>
+          <a:p>
+            <a:endParaRPr lang="en-US" altLang="ko-KR" dirty="0"/>
+          </a:p>
+          <a:p>
+            <a:r>
+              <a:rPr lang="en-US" altLang="ko-KR" dirty="0"/>
+              <a:t>Some legacy </a:t>
+            </a:r>
+            <a:r>
+              <a:rPr lang="en-US" altLang="ko-KR" dirty="0" err="1"/>
+              <a:t>fortran</a:t>
+            </a:r>
+            <a:r>
+              <a:rPr lang="en-US" altLang="ko-KR" dirty="0"/>
+              <a:t> compilers do not properly implement optimization flags (ie the use of –</a:t>
+            </a:r>
+            <a:r>
+              <a:rPr lang="en-US" altLang="ko-KR" dirty="0" err="1"/>
+              <a:t>Ofast</a:t>
+            </a:r>
+            <a:r>
+              <a:rPr lang="en-US" altLang="ko-KR" dirty="0"/>
+              <a:t>) To verify functionality, </a:t>
+            </a:r>
+            <a:r>
+              <a:rPr lang="en-US" dirty="0"/>
+              <a:t>please run MobCal-MPI on the test files provided and ensure that CCS values calculated at each cycle match the outputs (within reasonable error). If they do not, it is likely a compiler issue. This can be resolved by using less stringent (ie -O or -O2) or no optimization flags.</a:t>
+            </a:r>
+            <a:endParaRPr lang="en-US" altLang="ko-KR" dirty="0"/>
           </a:p>
           <a:p>
             <a:endParaRPr lang="en-US" altLang="ko-KR" dirty="0"/>
@@ -36673,11 +36703,11 @@
   <p:clrMapOvr>
     <a:masterClrMapping/>
   </p:clrMapOvr>
-  <mc:AlternateContent xmlns:mc="http://schemas.openxmlformats.org/markup-compatibility/2006">
-    <mc:Choice xmlns:p14="http://schemas.microsoft.com/office/powerpoint/2010/main" Requires="p14">
+  <mc:AlternateContent xmlns:mc="http://schemas.openxmlformats.org/markup-compatibility/2006" xmlns:p14="http://schemas.microsoft.com/office/powerpoint/2010/main">
+    <mc:Choice Requires="p14">
       <p:transition p14:dur="0"/>
     </mc:Choice>
-    <mc:Fallback>
+    <mc:Fallback xmlns="">
       <p:transition/>
     </mc:Fallback>
   </mc:AlternateContent>
@@ -37378,11 +37408,11 @@
   <p:clrMapOvr>
     <a:masterClrMapping/>
   </p:clrMapOvr>
-  <mc:AlternateContent xmlns:mc="http://schemas.openxmlformats.org/markup-compatibility/2006">
-    <mc:Choice xmlns:p14="http://schemas.microsoft.com/office/powerpoint/2010/main" Requires="p14">
+  <mc:AlternateContent xmlns:mc="http://schemas.openxmlformats.org/markup-compatibility/2006" xmlns:p14="http://schemas.microsoft.com/office/powerpoint/2010/main">
+    <mc:Choice Requires="p14">
       <p:transition p14:dur="0"/>
     </mc:Choice>
-    <mc:Fallback>
+    <mc:Fallback xmlns="">
       <p:transition/>
     </mc:Fallback>
   </mc:AlternateContent>
@@ -42845,7 +42875,7 @@
           <a:graphicData uri="http://schemas.openxmlformats.org/presentationml/2006/ole">
             <mc:AlternateContent xmlns:mc="http://schemas.openxmlformats.org/markup-compatibility/2006">
               <mc:Choice xmlns:v="urn:schemas-microsoft-com:vml" Requires="v">
-                <p:oleObj spid="_x0000_s1040" name="CS ChemDraw Drawing" r:id="rId7" imgW="1509814" imgH="4523209" progId="ChemDraw.Document.6.0">
+                <p:oleObj spid="_x0000_s1044" name="CS ChemDraw Drawing" r:id="rId7" imgW="1509814" imgH="4523209" progId="ChemDraw.Document.6.0">
                   <p:embed/>
                 </p:oleObj>
               </mc:Choice>
@@ -45706,42 +45736,6 @@
           </a:p>
         </p:txBody>
       </p:sp>
-      <p:sp>
-        <p:nvSpPr>
-          <p:cNvPr id="60" name="TextBox 59">
-            <a:extLst>
-              <a:ext uri="{FF2B5EF4-FFF2-40B4-BE49-F238E27FC236}">
-                <a16:creationId xmlns:a16="http://schemas.microsoft.com/office/drawing/2014/main" id="{C4A3912F-1000-4901-927D-0177B4A81099}"/>
-              </a:ext>
-            </a:extLst>
-          </p:cNvPr>
-          <p:cNvSpPr txBox="1"/>
-          <p:nvPr/>
-        </p:nvSpPr>
-        <p:spPr>
-          <a:xfrm>
-            <a:off x="194914" y="5276314"/>
-            <a:ext cx="8529971" cy="584775"/>
-          </a:xfrm>
-          <a:prstGeom prst="rect">
-            <a:avLst/>
-          </a:prstGeom>
-          <a:noFill/>
-        </p:spPr>
-        <p:txBody>
-          <a:bodyPr wrap="square" rtlCol="0">
-            <a:spAutoFit/>
-          </a:bodyPr>
-          <a:lstStyle/>
-          <a:p>
-            <a:r>
-              <a:rPr lang="en-CA" sz="1600" dirty="0"/>
-              <a:t>Note that MM forcefields can differentiate between atoms types (ie. H bonded to an alkyl carbon versus an alcohol)</a:t>
-            </a:r>
-            <a:endParaRPr lang="en-US" sz="1600" dirty="0"/>
-          </a:p>
-        </p:txBody>
-      </p:sp>
     </p:spTree>
     <p:extLst>
       <p:ext uri="{BB962C8B-B14F-4D97-AF65-F5344CB8AC3E}">
@@ -49525,8 +49519,8 @@
           </a:p>
         </p:txBody>
       </p:sp>
-      <mc:AlternateContent xmlns:mc="http://schemas.openxmlformats.org/markup-compatibility/2006">
-        <mc:Choice xmlns:a14="http://schemas.microsoft.com/office/drawing/2010/main" Requires="a14">
+      <mc:AlternateContent xmlns:mc="http://schemas.openxmlformats.org/markup-compatibility/2006" xmlns:a14="http://schemas.microsoft.com/office/drawing/2010/main">
+        <mc:Choice Requires="a14">
           <p:sp>
             <p:nvSpPr>
               <p:cNvPr id="3" name="TextBox 2">
@@ -49689,7 +49683,7 @@
             </p:txBody>
           </p:sp>
         </mc:Choice>
-        <mc:Fallback>
+        <mc:Fallback xmlns="">
           <p:sp>
             <p:nvSpPr>
               <p:cNvPr id="3" name="TextBox 2">
@@ -49734,8 +49728,8 @@
           </p:sp>
         </mc:Fallback>
       </mc:AlternateContent>
-      <mc:AlternateContent xmlns:mc="http://schemas.openxmlformats.org/markup-compatibility/2006">
-        <mc:Choice xmlns:a14="http://schemas.microsoft.com/office/drawing/2010/main" Requires="a14">
+      <mc:AlternateContent xmlns:mc="http://schemas.openxmlformats.org/markup-compatibility/2006" xmlns:a14="http://schemas.microsoft.com/office/drawing/2010/main">
+        <mc:Choice Requires="a14">
           <p:sp>
             <p:nvSpPr>
               <p:cNvPr id="43" name="TextBox 42">
@@ -49873,7 +49867,7 @@
             </p:txBody>
           </p:sp>
         </mc:Choice>
-        <mc:Fallback>
+        <mc:Fallback xmlns="">
           <p:sp>
             <p:nvSpPr>
               <p:cNvPr id="43" name="TextBox 42">

--- a/MobCal_MPI.pptx
+++ b/MobCal_MPI.pptx
@@ -190,10 +190,10 @@
     <pc:chgData name="Christian Ieritano" userId="dac012c6-b0e9-4397-a1a2-0c9038aef8df" providerId="ADAL" clId="{54A7AFC4-EA52-413D-8063-1B8284C1070C}"/>
   </pc:docChgLst>
   <pc:docChgLst>
-    <pc:chgData name="Christian Ieritano" userId="dac012c6-b0e9-4397-a1a2-0c9038aef8df" providerId="ADAL" clId="{AC8DADC8-DCFD-4CDB-B941-3A625E6CABFE}"/>
+    <pc:chgData name="Christian Ieritano" userId="dac012c6-b0e9-4397-a1a2-0c9038aef8df" providerId="ADAL" clId="{37AB4CC4-0EEB-4D70-B182-618C84893739}"/>
   </pc:docChgLst>
   <pc:docChgLst>
-    <pc:chgData name="Christian Ieritano" userId="dac012c6-b0e9-4397-a1a2-0c9038aef8df" providerId="ADAL" clId="{37AB4CC4-0EEB-4D70-B182-618C84893739}"/>
+    <pc:chgData name="Christian Ieritano" userId="dac012c6-b0e9-4397-a1a2-0c9038aef8df" providerId="ADAL" clId="{AC8DADC8-DCFD-4CDB-B941-3A625E6CABFE}"/>
   </pc:docChgLst>
   <pc:docChgLst>
     <pc:chgData name="Christian Ieritano" userId="dac012c6-b0e9-4397-a1a2-0c9038aef8df" providerId="ADAL" clId="{34B85FB8-2745-4699-96FC-CE77EF2C5879}"/>
@@ -6282,7 +6282,7 @@
           <a:p>
             <a:fld id="{4B78E97C-1779-4CEE-80D0-5BBB1AC4023D}" type="datetimeFigureOut">
               <a:rPr lang="en-US" smtClean="0"/>
-              <a:t>4/24/2019</a:t>
+              <a:t>10/21/2019</a:t>
             </a:fld>
             <a:endParaRPr lang="en-US"/>
           </a:p>
@@ -9160,7 +9160,7 @@
             <a:fld id="{A318C6E2-4AA5-436E-9815-715E9B2235FA}" type="datetime1">
               <a:rPr lang="en-US" smtClean="0"/>
               <a:pPr/>
-              <a:t>4/24/2019</a:t>
+              <a:t>10/21/2019</a:t>
             </a:fld>
             <a:endParaRPr lang="en-US" dirty="0"/>
           </a:p>
@@ -12141,7 +12141,7 @@
             <a:fld id="{A318C6E2-4AA5-436E-9815-715E9B2235FA}" type="datetime1">
               <a:rPr lang="en-US" smtClean="0"/>
               <a:pPr/>
-              <a:t>4/24/2019</a:t>
+              <a:t>10/21/2019</a:t>
             </a:fld>
             <a:endParaRPr lang="en-US" dirty="0"/>
           </a:p>
@@ -12934,7 +12934,7 @@
             <a:fld id="{A318C6E2-4AA5-436E-9815-715E9B2235FA}" type="datetime1">
               <a:rPr lang="en-US" smtClean="0"/>
               <a:pPr/>
-              <a:t>4/24/2019</a:t>
+              <a:t>10/21/2019</a:t>
             </a:fld>
             <a:endParaRPr lang="en-US" dirty="0"/>
           </a:p>
@@ -13449,7 +13449,7 @@
             <a:fld id="{A318C6E2-4AA5-436E-9815-715E9B2235FA}" type="datetime1">
               <a:rPr lang="en-US" smtClean="0"/>
               <a:pPr/>
-              <a:t>4/24/2019</a:t>
+              <a:t>10/21/2019</a:t>
             </a:fld>
             <a:endParaRPr lang="en-US" dirty="0"/>
           </a:p>
@@ -35883,8 +35883,8 @@
         </p:nvSpPr>
         <p:spPr>
           <a:xfrm>
-            <a:off x="2593075" y="5980837"/>
-            <a:ext cx="8769820" cy="1754326"/>
+            <a:off x="3596245" y="5830462"/>
+            <a:ext cx="5547755" cy="1015663"/>
           </a:xfrm>
           <a:prstGeom prst="rect">
             <a:avLst/>
@@ -35897,91 +35897,80 @@
           </a:bodyPr>
           <a:lstStyle/>
           <a:p>
-            <a:pPr marL="285750" indent="-285750">
-              <a:buFont typeface="Wingdings" panose="05000000000000000000" pitchFamily="2" charset="2"/>
-              <a:buChar char="§"/>
-            </a:pPr>
-            <a:endParaRPr lang="en-US" altLang="ko-KR" dirty="0"/>
-          </a:p>
-          <a:p>
-            <a:pPr marL="285750" indent="-285750">
-              <a:buFont typeface="Wingdings" panose="05000000000000000000" pitchFamily="2" charset="2"/>
-              <a:buChar char="§"/>
-            </a:pPr>
-            <a:r>
-              <a:rPr lang="en-US" altLang="ko-KR" dirty="0"/>
+            <a:r>
+              <a:rPr lang="en-US" altLang="ko-KR" sz="1200" dirty="0"/>
               <a:t>The original </a:t>
             </a:r>
             <a:r>
-              <a:rPr lang="en-US" altLang="ko-KR" b="1" dirty="0" err="1"/>
+              <a:rPr lang="en-US" altLang="ko-KR" sz="1200" b="1" dirty="0" err="1"/>
               <a:t>Mobcal</a:t>
             </a:r>
             <a:r>
-              <a:rPr lang="en-US" altLang="ko-KR" dirty="0"/>
+              <a:rPr lang="en-US" altLang="ko-KR" sz="1200" dirty="0"/>
               <a:t> code requires five information for an atom, which are: x coordinate, y coordinate, z coordinate, mass, and charge. In the modified code, four additional </a:t>
             </a:r>
             <a:r>
-              <a:rPr lang="en-US" altLang="ko-KR" dirty="0" err="1"/>
+              <a:rPr lang="en-US" altLang="ko-KR" sz="1200" dirty="0" err="1"/>
               <a:t>vdw</a:t>
             </a:r>
             <a:r>
-              <a:rPr lang="en-US" altLang="ko-KR" dirty="0"/>
+              <a:rPr lang="en-US" altLang="ko-KR" sz="1200" dirty="0"/>
               <a:t> parameters (</a:t>
             </a:r>
             <a:r>
-              <a:rPr lang="el-GR" altLang="ko-KR" i="1" dirty="0"/>
+              <a:rPr lang="el-GR" altLang="ko-KR" sz="1200" i="1" dirty="0"/>
               <a:t>α</a:t>
             </a:r>
             <a:r>
-              <a:rPr lang="en-US" altLang="ko-KR" i="1" baseline="-25000" dirty="0" err="1"/>
+              <a:rPr lang="en-US" altLang="ko-KR" sz="1200" i="1" baseline="-25000" dirty="0" err="1"/>
               <a:t>i</a:t>
             </a:r>
             <a:r>
-              <a:rPr lang="en-US" altLang="ko-KR" dirty="0"/>
+              <a:rPr lang="en-US" altLang="ko-KR" sz="1200" dirty="0"/>
               <a:t>, </a:t>
             </a:r>
             <a:r>
-              <a:rPr lang="en-US" altLang="ko-KR" i="1" dirty="0"/>
+              <a:rPr lang="en-US" altLang="ko-KR" sz="1200" i="1" dirty="0"/>
               <a:t>N</a:t>
             </a:r>
             <a:r>
-              <a:rPr lang="en-US" altLang="ko-KR" i="1" baseline="-25000" dirty="0"/>
+              <a:rPr lang="en-US" altLang="ko-KR" sz="1200" i="1" baseline="-25000" dirty="0"/>
               <a:t>i</a:t>
             </a:r>
             <a:r>
-              <a:rPr lang="en-US" altLang="ko-KR" dirty="0"/>
+              <a:rPr lang="en-US" altLang="ko-KR" sz="1200" dirty="0"/>
               <a:t>, </a:t>
             </a:r>
             <a:r>
-              <a:rPr lang="en-US" altLang="ko-KR" i="1" dirty="0"/>
+              <a:rPr lang="en-US" altLang="ko-KR" sz="1200" i="1" dirty="0"/>
               <a:t>A</a:t>
             </a:r>
             <a:r>
-              <a:rPr lang="en-US" altLang="ko-KR" i="1" baseline="-25000" dirty="0"/>
+              <a:rPr lang="en-US" altLang="ko-KR" sz="1200" i="1" baseline="-25000" dirty="0"/>
               <a:t>i</a:t>
             </a:r>
             <a:r>
-              <a:rPr lang="en-US" altLang="ko-KR" dirty="0"/>
+              <a:rPr lang="en-US" altLang="ko-KR" sz="1200" dirty="0"/>
               <a:t>, and </a:t>
             </a:r>
             <a:r>
-              <a:rPr lang="en-US" altLang="ko-KR" i="1" dirty="0" err="1"/>
+              <a:rPr lang="en-US" altLang="ko-KR" sz="1200" i="1" dirty="0" err="1"/>
               <a:t>G</a:t>
             </a:r>
             <a:r>
-              <a:rPr lang="en-US" altLang="ko-KR" i="1" baseline="-25000" dirty="0" err="1"/>
+              <a:rPr lang="en-US" altLang="ko-KR" sz="1200" i="1" baseline="-25000" dirty="0" err="1"/>
               <a:t>i</a:t>
             </a:r>
             <a:r>
-              <a:rPr lang="en-US" altLang="ko-KR" dirty="0"/>
+              <a:rPr lang="en-US" altLang="ko-KR" sz="1200" dirty="0"/>
               <a:t>) need to be provided for each atom. This is done by the </a:t>
             </a:r>
             <a:r>
-              <a:rPr lang="en-US" altLang="ko-KR" b="1" dirty="0" err="1"/>
+              <a:rPr lang="en-US" altLang="ko-KR" sz="1200" b="1" dirty="0" err="1"/>
               <a:t>xyztomfj</a:t>
             </a:r>
             <a:r>
-              <a:rPr lang="en-US" altLang="ko-KR" dirty="0"/>
+              <a:rPr lang="en-US" altLang="ko-KR" sz="1200" dirty="0"/>
               <a:t> code, but manual verification is always recommended.</a:t>
             </a:r>
           </a:p>
@@ -36493,7 +36482,7 @@
         <p:spPr>
           <a:xfrm>
             <a:off x="2593075" y="1811082"/>
-            <a:ext cx="6311343" cy="246221"/>
+            <a:ext cx="6936514" cy="246221"/>
           </a:xfrm>
           <a:prstGeom prst="rect">
             <a:avLst/>
@@ -36508,7 +36497,7 @@
           <a:p>
             <a:r>
               <a:rPr lang="en-CA" sz="1000" dirty="0"/>
-              <a:t>(# of cycles) (# of velocity integration points) (# of impact parameter integration points) (gas; 1 = He, 2 = N2)</a:t>
+              <a:t>(# cycles) (# of velocity int points) (# of impact parameter int points) (gas; 1=He, 2=N2) (random seed; not shown)</a:t>
             </a:r>
           </a:p>
         </p:txBody>
@@ -42875,7 +42864,7 @@
           <a:graphicData uri="http://schemas.openxmlformats.org/presentationml/2006/ole">
             <mc:AlternateContent xmlns:mc="http://schemas.openxmlformats.org/markup-compatibility/2006">
               <mc:Choice xmlns:v="urn:schemas-microsoft-com:vml" Requires="v">
-                <p:oleObj spid="_x0000_s1044" name="CS ChemDraw Drawing" r:id="rId7" imgW="1509814" imgH="4523209" progId="ChemDraw.Document.6.0">
+                <p:oleObj spid="_x0000_s1046" name="CS ChemDraw Drawing" r:id="rId7" imgW="1509814" imgH="4523209" progId="ChemDraw.Document.6.0">
                   <p:embed/>
                 </p:oleObj>
               </mc:Choice>

--- a/MobCal_MPI.pptx
+++ b/MobCal_MPI.pptx
@@ -167,49 +167,13 @@
 <file path=ppt/revisionInfo.xml><?xml version="1.0" encoding="utf-8"?>
 <p1510:revInfo xmlns:a="http://schemas.openxmlformats.org/drawingml/2006/main" xmlns:r="http://schemas.openxmlformats.org/officeDocument/2006/relationships" xmlns:p1510="http://schemas.microsoft.com/office/powerpoint/2015/10/main">
   <p1510:revLst>
-    <p1510:client id="{D9C3C28A-A916-4750-9696-82A11F322A18}" v="9027" dt="2018-10-04T16:02:33.215"/>
+    <p1510:client id="{234E8E68-7901-4719-B9D7-7283C9F81A4E}" v="5" dt="2021-03-09T14:33:44.221"/>
   </p1510:revLst>
 </p1510:revInfo>
 </file>
 
 <file path=ppt/changesInfos/changesInfo1.xml><?xml version="1.0" encoding="utf-8"?>
 <pc:chgInfo xmlns:a="http://schemas.openxmlformats.org/drawingml/2006/main" xmlns:r="http://schemas.openxmlformats.org/officeDocument/2006/relationships" xmlns:ac="http://schemas.microsoft.com/office/drawing/2013/main/command" xmlns:pc="http://schemas.microsoft.com/office/powerpoint/2013/main/command">
-  <pc:docChgLst>
-    <pc:chgData name="Christian Ieritano" userId="dac012c6-b0e9-4397-a1a2-0c9038aef8df" providerId="ADAL" clId="{59C317B4-FFB0-495D-9408-CAF327DFE724}"/>
-  </pc:docChgLst>
-  <pc:docChgLst>
-    <pc:chgData name="Christian Ieritano" userId="dac012c6-b0e9-4397-a1a2-0c9038aef8df" providerId="ADAL" clId="{367E82A0-BD5B-4FA5-A235-D4AB24062465}"/>
-  </pc:docChgLst>
-  <pc:docChgLst>
-    <pc:chgData name="Christian Ieritano" userId="dac012c6-b0e9-4397-a1a2-0c9038aef8df" providerId="ADAL" clId="{1CCEB0C6-BB35-4D92-A310-D0EAE9F8D05B}"/>
-  </pc:docChgLst>
-  <pc:docChgLst>
-    <pc:chgData name="Christian Ieritano" userId="dac012c6-b0e9-4397-a1a2-0c9038aef8df" providerId="ADAL" clId="{00042D95-8C5B-4B27-84B1-AD48849D5140}"/>
-  </pc:docChgLst>
-  <pc:docChgLst>
-    <pc:chgData name="Christian Ieritano" userId="dac012c6-b0e9-4397-a1a2-0c9038aef8df" providerId="ADAL" clId="{54A7AFC4-EA52-413D-8063-1B8284C1070C}"/>
-  </pc:docChgLst>
-  <pc:docChgLst>
-    <pc:chgData name="Christian Ieritano" userId="dac012c6-b0e9-4397-a1a2-0c9038aef8df" providerId="ADAL" clId="{37AB4CC4-0EEB-4D70-B182-618C84893739}"/>
-  </pc:docChgLst>
-  <pc:docChgLst>
-    <pc:chgData name="Christian Ieritano" userId="dac012c6-b0e9-4397-a1a2-0c9038aef8df" providerId="ADAL" clId="{AC8DADC8-DCFD-4CDB-B941-3A625E6CABFE}"/>
-  </pc:docChgLst>
-  <pc:docChgLst>
-    <pc:chgData name="Christian Ieritano" userId="dac012c6-b0e9-4397-a1a2-0c9038aef8df" providerId="ADAL" clId="{34B85FB8-2745-4699-96FC-CE77EF2C5879}"/>
-  </pc:docChgLst>
-  <pc:docChgLst>
-    <pc:chgData name="Christian Ieritano" userId="dac012c6-b0e9-4397-a1a2-0c9038aef8df" providerId="ADAL" clId="{640A046D-1CB1-473A-8DB8-3549D9C2883A}"/>
-  </pc:docChgLst>
-  <pc:docChgLst>
-    <pc:chgData name="Christian Ieritano" userId="dac012c6-b0e9-4397-a1a2-0c9038aef8df" providerId="ADAL" clId="{917DB294-3388-4414-BA73-50A46DAE331A}"/>
-  </pc:docChgLst>
-  <pc:docChgLst>
-    <pc:chgData name="Christian Ieritano" userId="dac012c6-b0e9-4397-a1a2-0c9038aef8df" providerId="ADAL" clId="{B547C6E0-59BD-4AD2-B175-6E65E23DC6C7}"/>
-  </pc:docChgLst>
-  <pc:docChgLst>
-    <pc:chgData name="Christian Ieritano" userId="dac012c6-b0e9-4397-a1a2-0c9038aef8df" providerId="ADAL" clId="{3ACEA8BA-9FB5-4138-B7B1-2AA0D0E5F19E}"/>
-  </pc:docChgLst>
   <pc:docChgLst>
     <pc:chgData name="Christian Ieritano" userId="dac012c6-b0e9-4397-a1a2-0c9038aef8df" providerId="ADAL" clId="{D9C3C28A-A916-4750-9696-82A11F322A18}"/>
     <pc:docChg chg="undo custSel addSld delSld modSld sldOrd">
@@ -2117,6 +2081,269 @@
       </pc:sldChg>
     </pc:docChg>
   </pc:docChgLst>
+  <pc:docChgLst>
+    <pc:chgData name="Christian Ieritano" userId="1426e9d5-c529-4374-833f-26dfd68a7cbf" providerId="ADAL" clId="{234E8E68-7901-4719-B9D7-7283C9F81A4E}"/>
+    <pc:docChg chg="custSel modSld">
+      <pc:chgData name="Christian Ieritano" userId="1426e9d5-c529-4374-833f-26dfd68a7cbf" providerId="ADAL" clId="{234E8E68-7901-4719-B9D7-7283C9F81A4E}" dt="2021-03-09T14:36:02.520" v="275" actId="6549"/>
+      <pc:docMkLst>
+        <pc:docMk/>
+      </pc:docMkLst>
+      <pc:sldChg chg="addSp delSp modSp mod">
+        <pc:chgData name="Christian Ieritano" userId="1426e9d5-c529-4374-833f-26dfd68a7cbf" providerId="ADAL" clId="{234E8E68-7901-4719-B9D7-7283C9F81A4E}" dt="2021-03-09T14:29:15.221" v="21" actId="1076"/>
+        <pc:sldMkLst>
+          <pc:docMk/>
+          <pc:sldMk cId="1695434457" sldId="263"/>
+        </pc:sldMkLst>
+        <pc:spChg chg="mod">
+          <ac:chgData name="Christian Ieritano" userId="1426e9d5-c529-4374-833f-26dfd68a7cbf" providerId="ADAL" clId="{234E8E68-7901-4719-B9D7-7283C9F81A4E}" dt="2021-03-09T14:29:12.876" v="20" actId="14100"/>
+          <ac:spMkLst>
+            <pc:docMk/>
+            <pc:sldMk cId="1695434457" sldId="263"/>
+            <ac:spMk id="4" creationId="{00000000-0000-0000-0000-000000000000}"/>
+          </ac:spMkLst>
+        </pc:spChg>
+        <pc:spChg chg="mod">
+          <ac:chgData name="Christian Ieritano" userId="1426e9d5-c529-4374-833f-26dfd68a7cbf" providerId="ADAL" clId="{234E8E68-7901-4719-B9D7-7283C9F81A4E}" dt="2021-03-09T14:29:04.004" v="18" actId="1076"/>
+          <ac:spMkLst>
+            <pc:docMk/>
+            <pc:sldMk cId="1695434457" sldId="263"/>
+            <ac:spMk id="10" creationId="{146B3A28-0A1F-467E-B1A0-BC204F096C55}"/>
+          </ac:spMkLst>
+        </pc:spChg>
+        <pc:spChg chg="mod">
+          <ac:chgData name="Christian Ieritano" userId="1426e9d5-c529-4374-833f-26dfd68a7cbf" providerId="ADAL" clId="{234E8E68-7901-4719-B9D7-7283C9F81A4E}" dt="2021-03-09T14:28:57.429" v="16" actId="14100"/>
+          <ac:spMkLst>
+            <pc:docMk/>
+            <pc:sldMk cId="1695434457" sldId="263"/>
+            <ac:spMk id="12" creationId="{CA45A742-C338-4FDE-82CE-C6B566A04697}"/>
+          </ac:spMkLst>
+        </pc:spChg>
+        <pc:spChg chg="mod">
+          <ac:chgData name="Christian Ieritano" userId="1426e9d5-c529-4374-833f-26dfd68a7cbf" providerId="ADAL" clId="{234E8E68-7901-4719-B9D7-7283C9F81A4E}" dt="2021-03-09T14:28:38.476" v="12" actId="14100"/>
+          <ac:spMkLst>
+            <pc:docMk/>
+            <pc:sldMk cId="1695434457" sldId="263"/>
+            <ac:spMk id="14" creationId="{8F677EF1-AB9C-4FE6-87B1-68DB92295A92}"/>
+          </ac:spMkLst>
+        </pc:spChg>
+        <pc:spChg chg="mod">
+          <ac:chgData name="Christian Ieritano" userId="1426e9d5-c529-4374-833f-26dfd68a7cbf" providerId="ADAL" clId="{234E8E68-7901-4719-B9D7-7283C9F81A4E}" dt="2021-03-09T14:28:45.949" v="13" actId="14100"/>
+          <ac:spMkLst>
+            <pc:docMk/>
+            <pc:sldMk cId="1695434457" sldId="263"/>
+            <ac:spMk id="19" creationId="{5D197B24-EB44-4813-A56A-C5106CC8DF3A}"/>
+          </ac:spMkLst>
+        </pc:spChg>
+        <pc:picChg chg="del">
+          <ac:chgData name="Christian Ieritano" userId="1426e9d5-c529-4374-833f-26dfd68a7cbf" providerId="ADAL" clId="{234E8E68-7901-4719-B9D7-7283C9F81A4E}" dt="2021-03-09T14:27:24.025" v="0" actId="478"/>
+          <ac:picMkLst>
+            <pc:docMk/>
+            <pc:sldMk cId="1695434457" sldId="263"/>
+            <ac:picMk id="3" creationId="{3294876E-B46E-4B32-8ECA-7C142E657D68}"/>
+          </ac:picMkLst>
+        </pc:picChg>
+        <pc:picChg chg="add mod ord">
+          <ac:chgData name="Christian Ieritano" userId="1426e9d5-c529-4374-833f-26dfd68a7cbf" providerId="ADAL" clId="{234E8E68-7901-4719-B9D7-7283C9F81A4E}" dt="2021-03-09T14:28:16.031" v="7" actId="167"/>
+          <ac:picMkLst>
+            <pc:docMk/>
+            <pc:sldMk cId="1695434457" sldId="263"/>
+            <ac:picMk id="5" creationId="{F930A9B7-EB06-4BE5-A05C-D12F96838B1D}"/>
+          </ac:picMkLst>
+        </pc:picChg>
+        <pc:cxnChg chg="mod">
+          <ac:chgData name="Christian Ieritano" userId="1426e9d5-c529-4374-833f-26dfd68a7cbf" providerId="ADAL" clId="{234E8E68-7901-4719-B9D7-7283C9F81A4E}" dt="2021-03-09T14:28:59.837" v="17" actId="1076"/>
+          <ac:cxnSpMkLst>
+            <pc:docMk/>
+            <pc:sldMk cId="1695434457" sldId="263"/>
+            <ac:cxnSpMk id="13" creationId="{80BF0677-75F6-420E-B090-F0D5D7DC44E9}"/>
+          </ac:cxnSpMkLst>
+        </pc:cxnChg>
+        <pc:cxnChg chg="mod">
+          <ac:chgData name="Christian Ieritano" userId="1426e9d5-c529-4374-833f-26dfd68a7cbf" providerId="ADAL" clId="{234E8E68-7901-4719-B9D7-7283C9F81A4E}" dt="2021-03-09T14:28:49.349" v="14" actId="1076"/>
+          <ac:cxnSpMkLst>
+            <pc:docMk/>
+            <pc:sldMk cId="1695434457" sldId="263"/>
+            <ac:cxnSpMk id="16" creationId="{5995BC57-A6A2-4965-A313-254DBC9B0026}"/>
+          </ac:cxnSpMkLst>
+        </pc:cxnChg>
+        <pc:cxnChg chg="mod">
+          <ac:chgData name="Christian Ieritano" userId="1426e9d5-c529-4374-833f-26dfd68a7cbf" providerId="ADAL" clId="{234E8E68-7901-4719-B9D7-7283C9F81A4E}" dt="2021-03-09T14:29:15.221" v="21" actId="1076"/>
+          <ac:cxnSpMkLst>
+            <pc:docMk/>
+            <pc:sldMk cId="1695434457" sldId="263"/>
+            <ac:cxnSpMk id="21" creationId="{00000000-0000-0000-0000-000000000000}"/>
+          </ac:cxnSpMkLst>
+        </pc:cxnChg>
+      </pc:sldChg>
+      <pc:sldChg chg="addSp delSp modSp mod">
+        <pc:chgData name="Christian Ieritano" userId="1426e9d5-c529-4374-833f-26dfd68a7cbf" providerId="ADAL" clId="{234E8E68-7901-4719-B9D7-7283C9F81A4E}" dt="2021-03-09T14:36:02.520" v="275" actId="6549"/>
+        <pc:sldMkLst>
+          <pc:docMk/>
+          <pc:sldMk cId="3743896616" sldId="369"/>
+        </pc:sldMkLst>
+        <pc:spChg chg="mod">
+          <ac:chgData name="Christian Ieritano" userId="1426e9d5-c529-4374-833f-26dfd68a7cbf" providerId="ADAL" clId="{234E8E68-7901-4719-B9D7-7283C9F81A4E}" dt="2021-03-09T14:31:26.806" v="127" actId="1035"/>
+          <ac:spMkLst>
+            <pc:docMk/>
+            <pc:sldMk cId="3743896616" sldId="369"/>
+            <ac:spMk id="6" creationId="{51F1A706-79A5-4C8C-89FD-D39C06B551F5}"/>
+          </ac:spMkLst>
+        </pc:spChg>
+        <pc:spChg chg="mod">
+          <ac:chgData name="Christian Ieritano" userId="1426e9d5-c529-4374-833f-26dfd68a7cbf" providerId="ADAL" clId="{234E8E68-7901-4719-B9D7-7283C9F81A4E}" dt="2021-03-09T14:35:07.762" v="227" actId="20577"/>
+          <ac:spMkLst>
+            <pc:docMk/>
+            <pc:sldMk cId="3743896616" sldId="369"/>
+            <ac:spMk id="30" creationId="{34EF7002-42E1-4A86-BD4C-8C62B8B7F7F8}"/>
+          </ac:spMkLst>
+        </pc:spChg>
+        <pc:spChg chg="mod">
+          <ac:chgData name="Christian Ieritano" userId="1426e9d5-c529-4374-833f-26dfd68a7cbf" providerId="ADAL" clId="{234E8E68-7901-4719-B9D7-7283C9F81A4E}" dt="2021-03-09T14:31:17.656" v="97" actId="1037"/>
+          <ac:spMkLst>
+            <pc:docMk/>
+            <pc:sldMk cId="3743896616" sldId="369"/>
+            <ac:spMk id="31" creationId="{9F89615C-3CDD-45E4-9EEE-27EC6696BA58}"/>
+          </ac:spMkLst>
+        </pc:spChg>
+        <pc:spChg chg="mod">
+          <ac:chgData name="Christian Ieritano" userId="1426e9d5-c529-4374-833f-26dfd68a7cbf" providerId="ADAL" clId="{234E8E68-7901-4719-B9D7-7283C9F81A4E}" dt="2021-03-09T14:35:24.325" v="255" actId="20577"/>
+          <ac:spMkLst>
+            <pc:docMk/>
+            <pc:sldMk cId="3743896616" sldId="369"/>
+            <ac:spMk id="32" creationId="{FFFB1D65-692A-4D77-94C4-EE1F083E02A7}"/>
+          </ac:spMkLst>
+        </pc:spChg>
+        <pc:spChg chg="mod">
+          <ac:chgData name="Christian Ieritano" userId="1426e9d5-c529-4374-833f-26dfd68a7cbf" providerId="ADAL" clId="{234E8E68-7901-4719-B9D7-7283C9F81A4E}" dt="2021-03-09T14:35:45.384" v="266" actId="20577"/>
+          <ac:spMkLst>
+            <pc:docMk/>
+            <pc:sldMk cId="3743896616" sldId="369"/>
+            <ac:spMk id="33" creationId="{594DCC42-E11B-4194-9064-4B7E2BC8F194}"/>
+          </ac:spMkLst>
+        </pc:spChg>
+        <pc:spChg chg="mod">
+          <ac:chgData name="Christian Ieritano" userId="1426e9d5-c529-4374-833f-26dfd68a7cbf" providerId="ADAL" clId="{234E8E68-7901-4719-B9D7-7283C9F81A4E}" dt="2021-03-09T14:36:02.520" v="275" actId="6549"/>
+          <ac:spMkLst>
+            <pc:docMk/>
+            <pc:sldMk cId="3743896616" sldId="369"/>
+            <ac:spMk id="34" creationId="{FCEF0150-65D2-44CB-AD68-AD781DDD7D17}"/>
+          </ac:spMkLst>
+        </pc:spChg>
+        <pc:spChg chg="mod">
+          <ac:chgData name="Christian Ieritano" userId="1426e9d5-c529-4374-833f-26dfd68a7cbf" providerId="ADAL" clId="{234E8E68-7901-4719-B9D7-7283C9F81A4E}" dt="2021-03-09T14:34:57.485" v="215" actId="1036"/>
+          <ac:spMkLst>
+            <pc:docMk/>
+            <pc:sldMk cId="3743896616" sldId="369"/>
+            <ac:spMk id="35" creationId="{D4F29694-BB5E-4BC8-A91A-8D86CF8C7A43}"/>
+          </ac:spMkLst>
+        </pc:spChg>
+        <pc:picChg chg="del">
+          <ac:chgData name="Christian Ieritano" userId="1426e9d5-c529-4374-833f-26dfd68a7cbf" providerId="ADAL" clId="{234E8E68-7901-4719-B9D7-7283C9F81A4E}" dt="2021-03-09T14:30:16.108" v="48" actId="478"/>
+          <ac:picMkLst>
+            <pc:docMk/>
+            <pc:sldMk cId="3743896616" sldId="369"/>
+            <ac:picMk id="3" creationId="{3294876E-B46E-4B32-8ECA-7C142E657D68}"/>
+          </ac:picMkLst>
+        </pc:picChg>
+        <pc:picChg chg="add mod ord modCrop">
+          <ac:chgData name="Christian Ieritano" userId="1426e9d5-c529-4374-833f-26dfd68a7cbf" providerId="ADAL" clId="{234E8E68-7901-4719-B9D7-7283C9F81A4E}" dt="2021-03-09T14:32:05.074" v="148" actId="167"/>
+          <ac:picMkLst>
+            <pc:docMk/>
+            <pc:sldMk cId="3743896616" sldId="369"/>
+            <ac:picMk id="19" creationId="{48780704-C98B-4D8E-946E-D209DC229ECC}"/>
+          </ac:picMkLst>
+        </pc:picChg>
+        <pc:cxnChg chg="mod">
+          <ac:chgData name="Christian Ieritano" userId="1426e9d5-c529-4374-833f-26dfd68a7cbf" providerId="ADAL" clId="{234E8E68-7901-4719-B9D7-7283C9F81A4E}" dt="2021-03-09T14:31:17.656" v="97" actId="1037"/>
+          <ac:cxnSpMkLst>
+            <pc:docMk/>
+            <pc:sldMk cId="3743896616" sldId="369"/>
+            <ac:cxnSpMk id="5" creationId="{6111DFB9-F1E5-44AC-9FE3-AF4107B3E145}"/>
+          </ac:cxnSpMkLst>
+        </pc:cxnChg>
+        <pc:cxnChg chg="add mod">
+          <ac:chgData name="Christian Ieritano" userId="1426e9d5-c529-4374-833f-26dfd68a7cbf" providerId="ADAL" clId="{234E8E68-7901-4719-B9D7-7283C9F81A4E}" dt="2021-03-09T14:32:59.389" v="159" actId="571"/>
+          <ac:cxnSpMkLst>
+            <pc:docMk/>
+            <pc:sldMk cId="3743896616" sldId="369"/>
+            <ac:cxnSpMk id="22" creationId="{2C64F927-DA6E-40DB-AE11-F8082B582A0A}"/>
+          </ac:cxnSpMkLst>
+        </pc:cxnChg>
+        <pc:cxnChg chg="mod">
+          <ac:chgData name="Christian Ieritano" userId="1426e9d5-c529-4374-833f-26dfd68a7cbf" providerId="ADAL" clId="{234E8E68-7901-4719-B9D7-7283C9F81A4E}" dt="2021-03-09T14:32:52.789" v="154" actId="14100"/>
+          <ac:cxnSpMkLst>
+            <pc:docMk/>
+            <pc:sldMk cId="3743896616" sldId="369"/>
+            <ac:cxnSpMk id="23" creationId="{A6C852FD-1C3D-46AA-A8E6-EC564BC1AEB7}"/>
+          </ac:cxnSpMkLst>
+        </pc:cxnChg>
+        <pc:cxnChg chg="add mod">
+          <ac:chgData name="Christian Ieritano" userId="1426e9d5-c529-4374-833f-26dfd68a7cbf" providerId="ADAL" clId="{234E8E68-7901-4719-B9D7-7283C9F81A4E}" dt="2021-03-09T14:33:01.493" v="160" actId="571"/>
+          <ac:cxnSpMkLst>
+            <pc:docMk/>
+            <pc:sldMk cId="3743896616" sldId="369"/>
+            <ac:cxnSpMk id="24" creationId="{AE3BE0F7-BDE0-4591-8D42-9CA3EA5316E8}"/>
+          </ac:cxnSpMkLst>
+        </pc:cxnChg>
+        <pc:cxnChg chg="del mod">
+          <ac:chgData name="Christian Ieritano" userId="1426e9d5-c529-4374-833f-26dfd68a7cbf" providerId="ADAL" clId="{234E8E68-7901-4719-B9D7-7283C9F81A4E}" dt="2021-03-09T14:32:54.732" v="155" actId="478"/>
+          <ac:cxnSpMkLst>
+            <pc:docMk/>
+            <pc:sldMk cId="3743896616" sldId="369"/>
+            <ac:cxnSpMk id="25" creationId="{D25FB0F8-ED6F-41AE-A1B5-72470B163A44}"/>
+          </ac:cxnSpMkLst>
+        </pc:cxnChg>
+        <pc:cxnChg chg="del mod">
+          <ac:chgData name="Christian Ieritano" userId="1426e9d5-c529-4374-833f-26dfd68a7cbf" providerId="ADAL" clId="{234E8E68-7901-4719-B9D7-7283C9F81A4E}" dt="2021-03-09T14:32:55.424" v="156" actId="478"/>
+          <ac:cxnSpMkLst>
+            <pc:docMk/>
+            <pc:sldMk cId="3743896616" sldId="369"/>
+            <ac:cxnSpMk id="26" creationId="{597297BB-5BA2-4477-B334-2886B62B27EE}"/>
+          </ac:cxnSpMkLst>
+        </pc:cxnChg>
+        <pc:cxnChg chg="del mod">
+          <ac:chgData name="Christian Ieritano" userId="1426e9d5-c529-4374-833f-26dfd68a7cbf" providerId="ADAL" clId="{234E8E68-7901-4719-B9D7-7283C9F81A4E}" dt="2021-03-09T14:32:56.083" v="157" actId="478"/>
+          <ac:cxnSpMkLst>
+            <pc:docMk/>
+            <pc:sldMk cId="3743896616" sldId="369"/>
+            <ac:cxnSpMk id="27" creationId="{7CD0468C-4B28-4F7C-8ED7-A3F1B3137C82}"/>
+          </ac:cxnSpMkLst>
+        </pc:cxnChg>
+        <pc:cxnChg chg="del mod">
+          <ac:chgData name="Christian Ieritano" userId="1426e9d5-c529-4374-833f-26dfd68a7cbf" providerId="ADAL" clId="{234E8E68-7901-4719-B9D7-7283C9F81A4E}" dt="2021-03-09T14:32:56.826" v="158" actId="478"/>
+          <ac:cxnSpMkLst>
+            <pc:docMk/>
+            <pc:sldMk cId="3743896616" sldId="369"/>
+            <ac:cxnSpMk id="28" creationId="{BF03C026-33DB-480A-9D67-A5864F4FFCBB}"/>
+          </ac:cxnSpMkLst>
+        </pc:cxnChg>
+        <pc:cxnChg chg="mod">
+          <ac:chgData name="Christian Ieritano" userId="1426e9d5-c529-4374-833f-26dfd68a7cbf" providerId="ADAL" clId="{234E8E68-7901-4719-B9D7-7283C9F81A4E}" dt="2021-03-09T14:34:47.621" v="182" actId="1035"/>
+          <ac:cxnSpMkLst>
+            <pc:docMk/>
+            <pc:sldMk cId="3743896616" sldId="369"/>
+            <ac:cxnSpMk id="29" creationId="{379772DC-15A0-4CA1-BA07-E39DB2E4E00D}"/>
+          </ac:cxnSpMkLst>
+        </pc:cxnChg>
+        <pc:cxnChg chg="add mod">
+          <ac:chgData name="Christian Ieritano" userId="1426e9d5-c529-4374-833f-26dfd68a7cbf" providerId="ADAL" clId="{234E8E68-7901-4719-B9D7-7283C9F81A4E}" dt="2021-03-09T14:34:20.141" v="169" actId="14100"/>
+          <ac:cxnSpMkLst>
+            <pc:docMk/>
+            <pc:sldMk cId="3743896616" sldId="369"/>
+            <ac:cxnSpMk id="36" creationId="{32356092-3104-4172-A39C-06A0134E32D9}"/>
+          </ac:cxnSpMkLst>
+        </pc:cxnChg>
+        <pc:cxnChg chg="add mod">
+          <ac:chgData name="Christian Ieritano" userId="1426e9d5-c529-4374-833f-26dfd68a7cbf" providerId="ADAL" clId="{234E8E68-7901-4719-B9D7-7283C9F81A4E}" dt="2021-03-09T14:34:32.553" v="172" actId="1035"/>
+          <ac:cxnSpMkLst>
+            <pc:docMk/>
+            <pc:sldMk cId="3743896616" sldId="369"/>
+            <ac:cxnSpMk id="37" creationId="{C8920D65-7FA3-4696-AE03-F8C7CA2DF88E}"/>
+          </ac:cxnSpMkLst>
+        </pc:cxnChg>
+      </pc:sldChg>
+    </pc:docChg>
+  </pc:docChgLst>
 </pc:chgInfo>
 </file>
 
@@ -6282,7 +6509,7 @@
           <a:p>
             <a:fld id="{4B78E97C-1779-4CEE-80D0-5BBB1AC4023D}" type="datetimeFigureOut">
               <a:rPr lang="en-US" smtClean="0"/>
-              <a:t>10/21/2019</a:t>
+              <a:t>3/9/2021</a:t>
             </a:fld>
             <a:endParaRPr lang="en-US"/>
           </a:p>
@@ -9160,7 +9387,7 @@
             <a:fld id="{A318C6E2-4AA5-436E-9815-715E9B2235FA}" type="datetime1">
               <a:rPr lang="en-US" smtClean="0"/>
               <a:pPr/>
-              <a:t>10/21/2019</a:t>
+              <a:t>3/9/2021</a:t>
             </a:fld>
             <a:endParaRPr lang="en-US" dirty="0"/>
           </a:p>
@@ -12141,7 +12368,7 @@
             <a:fld id="{A318C6E2-4AA5-436E-9815-715E9B2235FA}" type="datetime1">
               <a:rPr lang="en-US" smtClean="0"/>
               <a:pPr/>
-              <a:t>10/21/2019</a:t>
+              <a:t>3/9/2021</a:t>
             </a:fld>
             <a:endParaRPr lang="en-US" dirty="0"/>
           </a:p>
@@ -12934,7 +13161,7 @@
             <a:fld id="{A318C6E2-4AA5-436E-9815-715E9B2235FA}" type="datetime1">
               <a:rPr lang="en-US" smtClean="0"/>
               <a:pPr/>
-              <a:t>10/21/2019</a:t>
+              <a:t>3/9/2021</a:t>
             </a:fld>
             <a:endParaRPr lang="en-US" dirty="0"/>
           </a:p>
@@ -13449,7 +13676,7 @@
             <a:fld id="{A318C6E2-4AA5-436E-9815-715E9B2235FA}" type="datetime1">
               <a:rPr lang="en-US" smtClean="0"/>
               <a:pPr/>
-              <a:t>10/21/2019</a:t>
+              <a:t>3/9/2021</a:t>
             </a:fld>
             <a:endParaRPr lang="en-US" dirty="0"/>
           </a:p>
@@ -35151,10 +35378,10 @@
       </p:grpSpPr>
       <p:pic>
         <p:nvPicPr>
-          <p:cNvPr id="3" name="Picture 2">
-            <a:extLst>
-              <a:ext uri="{FF2B5EF4-FFF2-40B4-BE49-F238E27FC236}">
-                <a16:creationId xmlns:a16="http://schemas.microsoft.com/office/drawing/2014/main" id="{3294876E-B46E-4B32-8ECA-7C142E657D68}"/>
+          <p:cNvPr id="5" name="Picture 4">
+            <a:extLst>
+              <a:ext uri="{FF2B5EF4-FFF2-40B4-BE49-F238E27FC236}">
+                <a16:creationId xmlns:a16="http://schemas.microsoft.com/office/drawing/2014/main" id="{F930A9B7-EB06-4BE5-A05C-D12F96838B1D}"/>
               </a:ext>
             </a:extLst>
           </p:cNvPr>
@@ -35163,15 +35390,16 @@
           </p:cNvPicPr>
           <p:nvPr/>
         </p:nvPicPr>
-        <p:blipFill rotWithShape="1">
+        <p:blipFill>
           <a:blip r:embed="rId2"/>
-          <a:srcRect b="11562"/>
-          <a:stretch/>
+          <a:stretch>
+            <a:fillRect/>
+          </a:stretch>
         </p:blipFill>
         <p:spPr>
           <a:xfrm>
-            <a:off x="419100" y="933450"/>
-            <a:ext cx="8048625" cy="4767810"/>
+            <a:off x="402487" y="902732"/>
+            <a:ext cx="7502951" cy="4934091"/>
           </a:xfrm>
           <a:prstGeom prst="rect">
             <a:avLst/>
@@ -35231,8 +35459,8 @@
         </p:nvSpPr>
         <p:spPr>
           <a:xfrm>
-            <a:off x="5983111" y="1988526"/>
-            <a:ext cx="2484614" cy="3776649"/>
+            <a:off x="5495042" y="1893097"/>
+            <a:ext cx="2484614" cy="3994072"/>
           </a:xfrm>
           <a:prstGeom prst="rect">
             <a:avLst/>
@@ -35277,7 +35505,7 @@
         </p:nvCxnSpPr>
         <p:spPr>
           <a:xfrm flipH="1">
-            <a:off x="7168167" y="1552456"/>
+            <a:off x="6838494" y="1440473"/>
             <a:ext cx="380783" cy="365620"/>
           </a:xfrm>
           <a:prstGeom prst="straightConnector1">
@@ -35368,7 +35596,7 @@
         </p:nvSpPr>
         <p:spPr>
           <a:xfrm>
-            <a:off x="4803915" y="1156740"/>
+            <a:off x="4664425" y="1149698"/>
             <a:ext cx="1487908" cy="307777"/>
           </a:xfrm>
           <a:prstGeom prst="rect">
@@ -35407,8 +35635,8 @@
         </p:nvSpPr>
         <p:spPr>
           <a:xfrm>
-            <a:off x="4854222" y="1983176"/>
-            <a:ext cx="925689" cy="3776649"/>
+            <a:off x="4482690" y="1899626"/>
+            <a:ext cx="925689" cy="3987543"/>
           </a:xfrm>
           <a:prstGeom prst="rect">
             <a:avLst/>
@@ -35459,7 +35687,7 @@
         </p:nvCxnSpPr>
         <p:spPr>
           <a:xfrm flipH="1">
-            <a:off x="5317066" y="1544363"/>
+            <a:off x="4912128" y="1452942"/>
             <a:ext cx="380783" cy="365620"/>
           </a:xfrm>
           <a:prstGeom prst="straightConnector1">
@@ -35501,8 +35729,8 @@
         </p:nvSpPr>
         <p:spPr>
           <a:xfrm>
-            <a:off x="3877113" y="1983176"/>
-            <a:ext cx="925689" cy="3776649"/>
+            <a:off x="3719627" y="1902268"/>
+            <a:ext cx="676400" cy="3965273"/>
           </a:xfrm>
           <a:prstGeom prst="rect">
             <a:avLst/>
@@ -35594,7 +35822,7 @@
         </p:nvCxnSpPr>
         <p:spPr>
           <a:xfrm>
-            <a:off x="4016415" y="1512690"/>
+            <a:off x="3771092" y="1440473"/>
             <a:ext cx="379611" cy="382984"/>
           </a:xfrm>
           <a:prstGeom prst="straightConnector1">
@@ -35636,8 +35864,8 @@
         </p:nvSpPr>
         <p:spPr>
           <a:xfrm>
-            <a:off x="419100" y="1983175"/>
-            <a:ext cx="3267875" cy="3776649"/>
+            <a:off x="419100" y="1879998"/>
+            <a:ext cx="3097327" cy="3987543"/>
           </a:xfrm>
           <a:prstGeom prst="rect">
             <a:avLst/>
@@ -35803,10 +36031,10 @@
       </p:grpSpPr>
       <p:pic>
         <p:nvPicPr>
-          <p:cNvPr id="3" name="Picture 2">
-            <a:extLst>
-              <a:ext uri="{FF2B5EF4-FFF2-40B4-BE49-F238E27FC236}">
-                <a16:creationId xmlns:a16="http://schemas.microsoft.com/office/drawing/2014/main" id="{3294876E-B46E-4B32-8ECA-7C142E657D68}"/>
+          <p:cNvPr id="19" name="Picture 18">
+            <a:extLst>
+              <a:ext uri="{FF2B5EF4-FFF2-40B4-BE49-F238E27FC236}">
+                <a16:creationId xmlns:a16="http://schemas.microsoft.com/office/drawing/2014/main" id="{48780704-C98B-4D8E-946E-D209DC229ECC}"/>
               </a:ext>
             </a:extLst>
           </p:cNvPr>
@@ -35817,13 +36045,13 @@
         </p:nvPicPr>
         <p:blipFill rotWithShape="1">
           <a:blip r:embed="rId2"/>
-          <a:srcRect b="11683"/>
+          <a:srcRect b="79652"/>
           <a:stretch/>
         </p:blipFill>
         <p:spPr>
           <a:xfrm>
-            <a:off x="419100" y="933450"/>
-            <a:ext cx="8048625" cy="4761294"/>
+            <a:off x="88451" y="1053297"/>
+            <a:ext cx="7502951" cy="1004006"/>
           </a:xfrm>
           <a:prstGeom prst="rect">
             <a:avLst/>
@@ -35990,7 +36218,7 @@
         </p:nvCxnSpPr>
         <p:spPr>
           <a:xfrm flipH="1">
-            <a:off x="1342663" y="1053296"/>
+            <a:off x="1084053" y="1127184"/>
             <a:ext cx="1250412" cy="0"/>
           </a:xfrm>
           <a:prstGeom prst="straightConnector1">
@@ -36024,169 +36252,15 @@
               </a:ext>
             </a:extLst>
           </p:cNvPr>
-          <p:cNvCxnSpPr/>
+          <p:cNvCxnSpPr>
+            <a:cxnSpLocks/>
+          </p:cNvCxnSpPr>
           <p:nvPr/>
         </p:nvCxnSpPr>
         <p:spPr>
-          <a:xfrm flipH="1">
-            <a:off x="1342663" y="1180617"/>
-            <a:ext cx="1250412" cy="0"/>
-          </a:xfrm>
-          <a:prstGeom prst="straightConnector1">
-            <a:avLst/>
-          </a:prstGeom>
-          <a:ln>
-            <a:tailEnd type="triangle"/>
-          </a:ln>
-        </p:spPr>
-        <p:style>
-          <a:lnRef idx="1">
-            <a:schemeClr val="accent1"/>
-          </a:lnRef>
-          <a:fillRef idx="0">
-            <a:schemeClr val="accent1"/>
-          </a:fillRef>
-          <a:effectRef idx="0">
-            <a:schemeClr val="accent1"/>
-          </a:effectRef>
-          <a:fontRef idx="minor">
-            <a:schemeClr val="tx1"/>
-          </a:fontRef>
-        </p:style>
-      </p:cxnSp>
-      <p:cxnSp>
-        <p:nvCxnSpPr>
-          <p:cNvPr id="25" name="Straight Arrow Connector 24">
-            <a:extLst>
-              <a:ext uri="{FF2B5EF4-FFF2-40B4-BE49-F238E27FC236}">
-                <a16:creationId xmlns:a16="http://schemas.microsoft.com/office/drawing/2014/main" id="{D25FB0F8-ED6F-41AE-A1B5-72470B163A44}"/>
-              </a:ext>
-            </a:extLst>
-          </p:cNvPr>
-          <p:cNvCxnSpPr/>
-          <p:nvPr/>
-        </p:nvCxnSpPr>
-        <p:spPr>
-          <a:xfrm flipH="1">
-            <a:off x="1342663" y="1331088"/>
-            <a:ext cx="1250412" cy="0"/>
-          </a:xfrm>
-          <a:prstGeom prst="straightConnector1">
-            <a:avLst/>
-          </a:prstGeom>
-          <a:ln>
-            <a:tailEnd type="triangle"/>
-          </a:ln>
-        </p:spPr>
-        <p:style>
-          <a:lnRef idx="1">
-            <a:schemeClr val="accent1"/>
-          </a:lnRef>
-          <a:fillRef idx="0">
-            <a:schemeClr val="accent1"/>
-          </a:fillRef>
-          <a:effectRef idx="0">
-            <a:schemeClr val="accent1"/>
-          </a:effectRef>
-          <a:fontRef idx="minor">
-            <a:schemeClr val="tx1"/>
-          </a:fontRef>
-        </p:style>
-      </p:cxnSp>
-      <p:cxnSp>
-        <p:nvCxnSpPr>
-          <p:cNvPr id="26" name="Straight Arrow Connector 25">
-            <a:extLst>
-              <a:ext uri="{FF2B5EF4-FFF2-40B4-BE49-F238E27FC236}">
-                <a16:creationId xmlns:a16="http://schemas.microsoft.com/office/drawing/2014/main" id="{597297BB-5BA2-4477-B334-2886B62B27EE}"/>
-              </a:ext>
-            </a:extLst>
-          </p:cNvPr>
-          <p:cNvCxnSpPr/>
-          <p:nvPr/>
-        </p:nvCxnSpPr>
-        <p:spPr>
-          <a:xfrm flipH="1">
-            <a:off x="1342663" y="1493133"/>
-            <a:ext cx="1250412" cy="0"/>
-          </a:xfrm>
-          <a:prstGeom prst="straightConnector1">
-            <a:avLst/>
-          </a:prstGeom>
-          <a:ln>
-            <a:tailEnd type="triangle"/>
-          </a:ln>
-        </p:spPr>
-        <p:style>
-          <a:lnRef idx="1">
-            <a:schemeClr val="accent1"/>
-          </a:lnRef>
-          <a:fillRef idx="0">
-            <a:schemeClr val="accent1"/>
-          </a:fillRef>
-          <a:effectRef idx="0">
-            <a:schemeClr val="accent1"/>
-          </a:effectRef>
-          <a:fontRef idx="minor">
-            <a:schemeClr val="tx1"/>
-          </a:fontRef>
-        </p:style>
-      </p:cxnSp>
-      <p:cxnSp>
-        <p:nvCxnSpPr>
-          <p:cNvPr id="27" name="Straight Arrow Connector 26">
-            <a:extLst>
-              <a:ext uri="{FF2B5EF4-FFF2-40B4-BE49-F238E27FC236}">
-                <a16:creationId xmlns:a16="http://schemas.microsoft.com/office/drawing/2014/main" id="{7CD0468C-4B28-4F7C-8ED7-A3F1B3137C82}"/>
-              </a:ext>
-            </a:extLst>
-          </p:cNvPr>
-          <p:cNvCxnSpPr/>
-          <p:nvPr/>
-        </p:nvCxnSpPr>
-        <p:spPr>
-          <a:xfrm flipH="1">
-            <a:off x="1342663" y="1632030"/>
-            <a:ext cx="1250412" cy="0"/>
-          </a:xfrm>
-          <a:prstGeom prst="straightConnector1">
-            <a:avLst/>
-          </a:prstGeom>
-          <a:ln>
-            <a:tailEnd type="triangle"/>
-          </a:ln>
-        </p:spPr>
-        <p:style>
-          <a:lnRef idx="1">
-            <a:schemeClr val="accent1"/>
-          </a:lnRef>
-          <a:fillRef idx="0">
-            <a:schemeClr val="accent1"/>
-          </a:fillRef>
-          <a:effectRef idx="0">
-            <a:schemeClr val="accent1"/>
-          </a:effectRef>
-          <a:fontRef idx="minor">
-            <a:schemeClr val="tx1"/>
-          </a:fontRef>
-        </p:style>
-      </p:cxnSp>
-      <p:cxnSp>
-        <p:nvCxnSpPr>
-          <p:cNvPr id="28" name="Straight Arrow Connector 27">
-            <a:extLst>
-              <a:ext uri="{FF2B5EF4-FFF2-40B4-BE49-F238E27FC236}">
-                <a16:creationId xmlns:a16="http://schemas.microsoft.com/office/drawing/2014/main" id="{BF03C026-33DB-480A-9D67-A5864F4FFCBB}"/>
-              </a:ext>
-            </a:extLst>
-          </p:cNvPr>
-          <p:cNvCxnSpPr/>
-          <p:nvPr/>
-        </p:nvCxnSpPr>
-        <p:spPr>
-          <a:xfrm flipH="1">
-            <a:off x="1342663" y="1782501"/>
-            <a:ext cx="1250412" cy="0"/>
+          <a:xfrm flipH="1" flipV="1">
+            <a:off x="419100" y="1252166"/>
+            <a:ext cx="1915365" cy="2339"/>
           </a:xfrm>
           <a:prstGeom prst="straightConnector1">
             <a:avLst/>
@@ -36219,13 +36293,15 @@
               </a:ext>
             </a:extLst>
           </p:cNvPr>
-          <p:cNvCxnSpPr/>
+          <p:cNvCxnSpPr>
+            <a:cxnSpLocks/>
+          </p:cNvCxnSpPr>
           <p:nvPr/>
         </p:nvCxnSpPr>
         <p:spPr>
           <a:xfrm flipH="1">
-            <a:off x="1342663" y="1944546"/>
-            <a:ext cx="1250412" cy="0"/>
+            <a:off x="2555571" y="1983415"/>
+            <a:ext cx="809891" cy="0"/>
           </a:xfrm>
           <a:prstGeom prst="straightConnector1">
             <a:avLst/>
@@ -36263,7 +36339,7 @@
         </p:nvSpPr>
         <p:spPr>
           <a:xfrm>
-            <a:off x="2593075" y="922821"/>
+            <a:off x="2334461" y="1005945"/>
             <a:ext cx="444352" cy="246221"/>
           </a:xfrm>
           <a:prstGeom prst="rect">
@@ -36298,23 +36374,23 @@
         </p:nvSpPr>
         <p:spPr>
           <a:xfrm>
-            <a:off x="2593075" y="1048568"/>
-            <a:ext cx="1476686" cy="246221"/>
-          </a:xfrm>
-          <a:prstGeom prst="rect">
-            <a:avLst/>
-          </a:prstGeom>
-          <a:noFill/>
-        </p:spPr>
-        <p:txBody>
-          <a:bodyPr wrap="none" rtlCol="0">
+            <a:off x="2334464" y="1122456"/>
+            <a:ext cx="2431499" cy="246221"/>
+          </a:xfrm>
+          <a:prstGeom prst="rect">
+            <a:avLst/>
+          </a:prstGeom>
+          <a:noFill/>
+        </p:spPr>
+        <p:txBody>
+          <a:bodyPr wrap="square" rtlCol="0">
             <a:spAutoFit/>
           </a:bodyPr>
           <a:lstStyle/>
           <a:p>
             <a:r>
               <a:rPr lang="en-CA" sz="1000" dirty="0"/>
-              <a:t>Number of conformers</a:t>
+              <a:t>Number of conformers (always 1)</a:t>
             </a:r>
           </a:p>
         </p:txBody>
@@ -36333,7 +36409,7 @@
         </p:nvSpPr>
         <p:spPr>
           <a:xfrm>
-            <a:off x="2593075" y="1208914"/>
+            <a:off x="2334465" y="1282802"/>
             <a:ext cx="1173719" cy="246221"/>
           </a:xfrm>
           <a:prstGeom prst="rect">
@@ -36368,8 +36444,8 @@
         </p:nvSpPr>
         <p:spPr>
           <a:xfrm>
-            <a:off x="2593075" y="1370958"/>
-            <a:ext cx="4221027" cy="246221"/>
+            <a:off x="2334465" y="1444846"/>
+            <a:ext cx="3102131" cy="246221"/>
           </a:xfrm>
           <a:prstGeom prst="rect">
             <a:avLst/>
@@ -36384,7 +36460,7 @@
           <a:p>
             <a:r>
               <a:rPr lang="en-CA" sz="1000" dirty="0"/>
-              <a:t>Specifies coordinates to be read in angstroms (ang) or atomic units (au)</a:t>
+              <a:t>Specifies coordinates to be read in angstroms (ang) </a:t>
             </a:r>
           </a:p>
         </p:txBody>
@@ -36403,8 +36479,8 @@
         </p:nvSpPr>
         <p:spPr>
           <a:xfrm>
-            <a:off x="2593075" y="1533002"/>
-            <a:ext cx="5545108" cy="246221"/>
+            <a:off x="2334465" y="1606890"/>
+            <a:ext cx="5136342" cy="246221"/>
           </a:xfrm>
           <a:prstGeom prst="rect">
             <a:avLst/>
@@ -36419,7 +36495,7 @@
           <a:p>
             <a:r>
               <a:rPr lang="en-CA" sz="1000" dirty="0"/>
-              <a:t>Specifies if a custom, specified (calc), equal (equal), or no (none) partial charge scheme is used </a:t>
+              <a:t>Specifies if a calculated (calc), equal (equal), or no (none) partial charge scheme is used </a:t>
             </a:r>
           </a:p>
         </p:txBody>
@@ -36438,8 +36514,8 @@
         </p:nvSpPr>
         <p:spPr>
           <a:xfrm>
-            <a:off x="2593075" y="1671898"/>
-            <a:ext cx="3188693" cy="246221"/>
+            <a:off x="2334966" y="1757489"/>
+            <a:ext cx="2879314" cy="246221"/>
           </a:xfrm>
           <a:prstGeom prst="rect">
             <a:avLst/>
@@ -36462,7 +36538,7 @@
             </a:r>
             <a:r>
               <a:rPr lang="en-CA" sz="1000" dirty="0"/>
-              <a:t> coordinates. Typically is 1.0000</a:t>
+              <a:t> coordinates. Set to 1.0000</a:t>
             </a:r>
           </a:p>
         </p:txBody>
@@ -36481,27 +36557,191 @@
         </p:nvSpPr>
         <p:spPr>
           <a:xfrm>
-            <a:off x="2593075" y="1811082"/>
-            <a:ext cx="6936514" cy="246221"/>
-          </a:xfrm>
-          <a:prstGeom prst="rect">
-            <a:avLst/>
-          </a:prstGeom>
-          <a:noFill/>
-        </p:spPr>
-        <p:txBody>
-          <a:bodyPr wrap="none" rtlCol="0">
+            <a:off x="3331418" y="1905709"/>
+            <a:ext cx="5267637" cy="400110"/>
+          </a:xfrm>
+          <a:prstGeom prst="rect">
+            <a:avLst/>
+          </a:prstGeom>
+          <a:noFill/>
+        </p:spPr>
+        <p:txBody>
+          <a:bodyPr wrap="square" rtlCol="0">
             <a:spAutoFit/>
           </a:bodyPr>
           <a:lstStyle/>
           <a:p>
             <a:r>
               <a:rPr lang="en-CA" sz="1000" dirty="0"/>
-              <a:t>(# cycles) (# of velocity int points) (# of impact parameter int points) (gas; 1=He, 2=N2) (random seed; not shown)</a:t>
-            </a:r>
-          </a:p>
-        </p:txBody>
-      </p:sp>
+              <a:t>(# cycles) (# of velocity int points) (# of impact parameter int points) (gas; 1=He, 2=N2) (random seed) (temp(s) list)</a:t>
+            </a:r>
+          </a:p>
+        </p:txBody>
+      </p:sp>
+      <p:cxnSp>
+        <p:nvCxnSpPr>
+          <p:cNvPr id="22" name="Straight Arrow Connector 21">
+            <a:extLst>
+              <a:ext uri="{FF2B5EF4-FFF2-40B4-BE49-F238E27FC236}">
+                <a16:creationId xmlns:a16="http://schemas.microsoft.com/office/drawing/2014/main" id="{2C64F927-DA6E-40DB-AE11-F8082B582A0A}"/>
+              </a:ext>
+            </a:extLst>
+          </p:cNvPr>
+          <p:cNvCxnSpPr>
+            <a:cxnSpLocks/>
+          </p:cNvCxnSpPr>
+          <p:nvPr/>
+        </p:nvCxnSpPr>
+        <p:spPr>
+          <a:xfrm flipH="1" flipV="1">
+            <a:off x="419100" y="1400392"/>
+            <a:ext cx="1915365" cy="2339"/>
+          </a:xfrm>
+          <a:prstGeom prst="straightConnector1">
+            <a:avLst/>
+          </a:prstGeom>
+          <a:ln>
+            <a:tailEnd type="triangle"/>
+          </a:ln>
+        </p:spPr>
+        <p:style>
+          <a:lnRef idx="1">
+            <a:schemeClr val="accent1"/>
+          </a:lnRef>
+          <a:fillRef idx="0">
+            <a:schemeClr val="accent1"/>
+          </a:fillRef>
+          <a:effectRef idx="0">
+            <a:schemeClr val="accent1"/>
+          </a:effectRef>
+          <a:fontRef idx="minor">
+            <a:schemeClr val="tx1"/>
+          </a:fontRef>
+        </p:style>
+      </p:cxnSp>
+      <p:cxnSp>
+        <p:nvCxnSpPr>
+          <p:cNvPr id="24" name="Straight Arrow Connector 23">
+            <a:extLst>
+              <a:ext uri="{FF2B5EF4-FFF2-40B4-BE49-F238E27FC236}">
+                <a16:creationId xmlns:a16="http://schemas.microsoft.com/office/drawing/2014/main" id="{AE3BE0F7-BDE0-4591-8D42-9CA3EA5316E8}"/>
+              </a:ext>
+            </a:extLst>
+          </p:cNvPr>
+          <p:cNvCxnSpPr>
+            <a:cxnSpLocks/>
+          </p:cNvCxnSpPr>
+          <p:nvPr/>
+        </p:nvCxnSpPr>
+        <p:spPr>
+          <a:xfrm flipH="1" flipV="1">
+            <a:off x="419100" y="1528629"/>
+            <a:ext cx="1915365" cy="2339"/>
+          </a:xfrm>
+          <a:prstGeom prst="straightConnector1">
+            <a:avLst/>
+          </a:prstGeom>
+          <a:ln>
+            <a:tailEnd type="triangle"/>
+          </a:ln>
+        </p:spPr>
+        <p:style>
+          <a:lnRef idx="1">
+            <a:schemeClr val="accent1"/>
+          </a:lnRef>
+          <a:fillRef idx="0">
+            <a:schemeClr val="accent1"/>
+          </a:fillRef>
+          <a:effectRef idx="0">
+            <a:schemeClr val="accent1"/>
+          </a:effectRef>
+          <a:fontRef idx="minor">
+            <a:schemeClr val="tx1"/>
+          </a:fontRef>
+        </p:style>
+      </p:cxnSp>
+      <p:cxnSp>
+        <p:nvCxnSpPr>
+          <p:cNvPr id="36" name="Straight Arrow Connector 35">
+            <a:extLst>
+              <a:ext uri="{FF2B5EF4-FFF2-40B4-BE49-F238E27FC236}">
+                <a16:creationId xmlns:a16="http://schemas.microsoft.com/office/drawing/2014/main" id="{32356092-3104-4172-A39C-06A0134E32D9}"/>
+              </a:ext>
+            </a:extLst>
+          </p:cNvPr>
+          <p:cNvCxnSpPr>
+            <a:cxnSpLocks/>
+          </p:cNvCxnSpPr>
+          <p:nvPr/>
+        </p:nvCxnSpPr>
+        <p:spPr>
+          <a:xfrm flipH="1">
+            <a:off x="701962" y="1706147"/>
+            <a:ext cx="1632508" cy="0"/>
+          </a:xfrm>
+          <a:prstGeom prst="straightConnector1">
+            <a:avLst/>
+          </a:prstGeom>
+          <a:ln>
+            <a:tailEnd type="triangle"/>
+          </a:ln>
+        </p:spPr>
+        <p:style>
+          <a:lnRef idx="1">
+            <a:schemeClr val="accent1"/>
+          </a:lnRef>
+          <a:fillRef idx="0">
+            <a:schemeClr val="accent1"/>
+          </a:fillRef>
+          <a:effectRef idx="0">
+            <a:schemeClr val="accent1"/>
+          </a:effectRef>
+          <a:fontRef idx="minor">
+            <a:schemeClr val="tx1"/>
+          </a:fontRef>
+        </p:style>
+      </p:cxnSp>
+      <p:cxnSp>
+        <p:nvCxnSpPr>
+          <p:cNvPr id="37" name="Straight Arrow Connector 36">
+            <a:extLst>
+              <a:ext uri="{FF2B5EF4-FFF2-40B4-BE49-F238E27FC236}">
+                <a16:creationId xmlns:a16="http://schemas.microsoft.com/office/drawing/2014/main" id="{C8920D65-7FA3-4696-AE03-F8C7CA2DF88E}"/>
+              </a:ext>
+            </a:extLst>
+          </p:cNvPr>
+          <p:cNvCxnSpPr>
+            <a:cxnSpLocks/>
+          </p:cNvCxnSpPr>
+          <p:nvPr/>
+        </p:nvCxnSpPr>
+        <p:spPr>
+          <a:xfrm flipH="1">
+            <a:off x="698659" y="1854075"/>
+            <a:ext cx="1635811" cy="0"/>
+          </a:xfrm>
+          <a:prstGeom prst="straightConnector1">
+            <a:avLst/>
+          </a:prstGeom>
+          <a:ln>
+            <a:tailEnd type="triangle"/>
+          </a:ln>
+        </p:spPr>
+        <p:style>
+          <a:lnRef idx="1">
+            <a:schemeClr val="accent1"/>
+          </a:lnRef>
+          <a:fillRef idx="0">
+            <a:schemeClr val="accent1"/>
+          </a:fillRef>
+          <a:effectRef idx="0">
+            <a:schemeClr val="accent1"/>
+          </a:effectRef>
+          <a:fontRef idx="minor">
+            <a:schemeClr val="tx1"/>
+          </a:fontRef>
+        </p:style>
+      </p:cxnSp>
     </p:spTree>
     <p:extLst>
       <p:ext uri="{BB962C8B-B14F-4D97-AF65-F5344CB8AC3E}">
@@ -42864,7 +43104,7 @@
           <a:graphicData uri="http://schemas.openxmlformats.org/presentationml/2006/ole">
             <mc:AlternateContent xmlns:mc="http://schemas.openxmlformats.org/markup-compatibility/2006">
               <mc:Choice xmlns:v="urn:schemas-microsoft-com:vml" Requires="v">
-                <p:oleObj spid="_x0000_s1046" name="CS ChemDraw Drawing" r:id="rId7" imgW="1509814" imgH="4523209" progId="ChemDraw.Document.6.0">
+                <p:oleObj name="CS ChemDraw Drawing" r:id="rId7" imgW="1509814" imgH="4523209" progId="ChemDraw.Document.6.0">
                   <p:embed/>
                 </p:oleObj>
               </mc:Choice>
